--- a/Story Board.pptx
+++ b/Story Board.pptx
@@ -105,6 +105,11 @@
       </a:defRPr>
     </a:lvl9pPr>
   </p:defaultTextStyle>
+  <p:extLst>
+    <p:ext uri="{EFAFB233-063F-42B5-8137-9DF3F51BA10A}">
+      <p15:sldGuideLst xmlns:p15="http://schemas.microsoft.com/office/powerpoint/2012/main"/>
+    </p:ext>
+  </p:extLst>
 </p:presentation>
 </file>
 
@@ -255,7 +260,7 @@
           <a:p>
             <a:fld id="{9D3D12BB-F8D8-4425-A4B6-8D2E5033109A}" type="datetimeFigureOut">
               <a:rPr lang="en-US" smtClean="0"/>
-              <a:t>7/24/2022</a:t>
+              <a:t>8/1/22</a:t>
             </a:fld>
             <a:endParaRPr lang="en-US"/>
           </a:p>
@@ -453,7 +458,7 @@
           <a:p>
             <a:fld id="{9D3D12BB-F8D8-4425-A4B6-8D2E5033109A}" type="datetimeFigureOut">
               <a:rPr lang="en-US" smtClean="0"/>
-              <a:t>7/24/2022</a:t>
+              <a:t>8/1/22</a:t>
             </a:fld>
             <a:endParaRPr lang="en-US"/>
           </a:p>
@@ -661,7 +666,7 @@
           <a:p>
             <a:fld id="{9D3D12BB-F8D8-4425-A4B6-8D2E5033109A}" type="datetimeFigureOut">
               <a:rPr lang="en-US" smtClean="0"/>
-              <a:t>7/24/2022</a:t>
+              <a:t>8/1/22</a:t>
             </a:fld>
             <a:endParaRPr lang="en-US"/>
           </a:p>
@@ -859,7 +864,7 @@
           <a:p>
             <a:fld id="{9D3D12BB-F8D8-4425-A4B6-8D2E5033109A}" type="datetimeFigureOut">
               <a:rPr lang="en-US" smtClean="0"/>
-              <a:t>7/24/2022</a:t>
+              <a:t>8/1/22</a:t>
             </a:fld>
             <a:endParaRPr lang="en-US"/>
           </a:p>
@@ -1134,7 +1139,7 @@
           <a:p>
             <a:fld id="{9D3D12BB-F8D8-4425-A4B6-8D2E5033109A}" type="datetimeFigureOut">
               <a:rPr lang="en-US" smtClean="0"/>
-              <a:t>7/24/2022</a:t>
+              <a:t>8/1/22</a:t>
             </a:fld>
             <a:endParaRPr lang="en-US"/>
           </a:p>
@@ -1399,7 +1404,7 @@
           <a:p>
             <a:fld id="{9D3D12BB-F8D8-4425-A4B6-8D2E5033109A}" type="datetimeFigureOut">
               <a:rPr lang="en-US" smtClean="0"/>
-              <a:t>7/24/2022</a:t>
+              <a:t>8/1/22</a:t>
             </a:fld>
             <a:endParaRPr lang="en-US"/>
           </a:p>
@@ -1811,7 +1816,7 @@
           <a:p>
             <a:fld id="{9D3D12BB-F8D8-4425-A4B6-8D2E5033109A}" type="datetimeFigureOut">
               <a:rPr lang="en-US" smtClean="0"/>
-              <a:t>7/24/2022</a:t>
+              <a:t>8/1/22</a:t>
             </a:fld>
             <a:endParaRPr lang="en-US"/>
           </a:p>
@@ -1952,7 +1957,7 @@
           <a:p>
             <a:fld id="{9D3D12BB-F8D8-4425-A4B6-8D2E5033109A}" type="datetimeFigureOut">
               <a:rPr lang="en-US" smtClean="0"/>
-              <a:t>7/24/2022</a:t>
+              <a:t>8/1/22</a:t>
             </a:fld>
             <a:endParaRPr lang="en-US"/>
           </a:p>
@@ -2065,7 +2070,7 @@
           <a:p>
             <a:fld id="{9D3D12BB-F8D8-4425-A4B6-8D2E5033109A}" type="datetimeFigureOut">
               <a:rPr lang="en-US" smtClean="0"/>
-              <a:t>7/24/2022</a:t>
+              <a:t>8/1/22</a:t>
             </a:fld>
             <a:endParaRPr lang="en-US"/>
           </a:p>
@@ -2376,7 +2381,7 @@
           <a:p>
             <a:fld id="{9D3D12BB-F8D8-4425-A4B6-8D2E5033109A}" type="datetimeFigureOut">
               <a:rPr lang="en-US" smtClean="0"/>
-              <a:t>7/24/2022</a:t>
+              <a:t>8/1/22</a:t>
             </a:fld>
             <a:endParaRPr lang="en-US"/>
           </a:p>
@@ -2664,7 +2669,7 @@
           <a:p>
             <a:fld id="{9D3D12BB-F8D8-4425-A4B6-8D2E5033109A}" type="datetimeFigureOut">
               <a:rPr lang="en-US" smtClean="0"/>
-              <a:t>7/24/2022</a:t>
+              <a:t>8/1/22</a:t>
             </a:fld>
             <a:endParaRPr lang="en-US"/>
           </a:p>
@@ -2905,7 +2910,7 @@
           <a:p>
             <a:fld id="{9D3D12BB-F8D8-4425-A4B6-8D2E5033109A}" type="datetimeFigureOut">
               <a:rPr lang="en-US" smtClean="0"/>
-              <a:t>7/24/2022</a:t>
+              <a:t>8/1/22</a:t>
             </a:fld>
             <a:endParaRPr lang="en-US"/>
           </a:p>
@@ -4856,7 +4861,7 @@
             </a:pPr>
             <a:r>
               <a:rPr lang="en-US" sz="1200" b="0" dirty="0"/>
-              <a:t>By utilizing the reporting data from the Department of Public Instruction, use a deep neural network to determine the factors most relevant to a student’s success in post-secondary education.  </a:t>
+              <a:t>By utilizing the reporting data from the Department of Public Instruction, use Random Forests to determine the factors most relevant to a student’s success in post-secondary education.  </a:t>
             </a:r>
           </a:p>
           <a:p>
